--- a/PresentationDay1.pptx
+++ b/PresentationDay1.pptx
@@ -3237,7 +3237,7 @@
             <a:pPr lvl="1"/>
             <a:r>
               <a:rPr lang="en-US" dirty="0" smtClean="0"/>
-              <a:t>This is the main goal of this course</a:t>
+              <a:t>This is the main goal of this session</a:t>
             </a:r>
           </a:p>
         </p:txBody>
@@ -4261,13 +4261,26 @@
           <a:lstStyle/>
           <a:p>
             <a:r>
-              <a:rPr lang="en-US" dirty="0">
+              <a:rPr lang="en-US" dirty="0" smtClean="0">
                 <a:solidFill>
                   <a:schemeClr val="accent2"/>
                 </a:solidFill>
               </a:rPr>
-              <a:t>The Gillespie algorithm</a:t>
+              <a:t>The Gillespie algorithm: </a:t>
             </a:r>
+            <a:r>
+              <a:rPr lang="en-US" sz="2800" i="1" dirty="0" smtClean="0">
+                <a:solidFill>
+                  <a:schemeClr val="accent2"/>
+                </a:solidFill>
+              </a:rPr>
+              <a:t>which reaction will happen next?</a:t>
+            </a:r>
+            <a:endParaRPr lang="en-US" sz="2800" i="1" dirty="0">
+              <a:solidFill>
+                <a:schemeClr val="accent2"/>
+              </a:solidFill>
+            </a:endParaRPr>
           </a:p>
         </p:txBody>
       </p:sp>
@@ -5315,29 +5328,6 @@
           <a:chExt cx="0" cy="0"/>
         </a:xfrm>
       </p:grpSpPr>
-      <p:sp>
-        <p:nvSpPr>
-          <p:cNvPr id="2" name="Title 1"/>
-          <p:cNvSpPr>
-            <a:spLocks noGrp="1"/>
-          </p:cNvSpPr>
-          <p:nvPr>
-            <p:ph type="title"/>
-          </p:nvPr>
-        </p:nvSpPr>
-        <p:spPr/>
-        <p:txBody>
-          <a:bodyPr/>
-          <a:lstStyle/>
-          <a:p>
-            <a:endParaRPr lang="en-US">
-              <a:solidFill>
-                <a:schemeClr val="accent2"/>
-              </a:solidFill>
-            </a:endParaRPr>
-          </a:p>
-        </p:txBody>
-      </p:sp>
       <mc:AlternateContent xmlns:mc="http://schemas.openxmlformats.org/markup-compatibility/2006">
         <mc:Choice xmlns:a14="http://schemas.microsoft.com/office/drawing/2010/main" Requires="a14">
           <p:sp>
@@ -5350,9 +5340,16 @@
                 <p:ph idx="1"/>
               </p:nvPr>
             </p:nvSpPr>
-            <p:spPr/>
+            <p:spPr>
+              <a:xfrm>
+                <a:off x="612559" y="1825624"/>
+                <a:ext cx="11061577" cy="4956915"/>
+              </a:xfrm>
+            </p:spPr>
             <p:txBody>
-              <a:bodyPr/>
+              <a:bodyPr>
+                <a:normAutofit fontScale="92500" lnSpcReduction="20000"/>
+              </a:bodyPr>
               <a:lstStyle/>
               <a:p>
                 <a:pPr marL="0" indent="0">
@@ -5365,9 +5362,9 @@
                     </m:oMathParaPr>
                     <m:oMath xmlns:m="http://schemas.openxmlformats.org/officeDocument/2006/math">
                       <m:r>
-                        <a:rPr lang="en-US" i="1">
+                        <a:rPr lang="en-US" i="1" smtClean="0">
                           <a:solidFill>
-                            <a:schemeClr val="accent5"/>
+                            <a:schemeClr val="tx1"/>
                           </a:solidFill>
                           <a:latin typeface="Cambria Math" charset="0"/>
                         </a:rPr>
@@ -5378,7 +5375,7 @@
                           <m:ctrlPr>
                             <a:rPr lang="en-US" i="1">
                               <a:solidFill>
-                                <a:schemeClr val="accent5"/>
+                                <a:schemeClr val="tx1"/>
                               </a:solidFill>
                               <a:latin typeface="Cambria Math" charset="0"/>
                             </a:rPr>
@@ -5388,7 +5385,7 @@
                           <m:r>
                             <a:rPr lang="en-US" i="1">
                               <a:solidFill>
-                                <a:schemeClr val="accent5"/>
+                                <a:schemeClr val="tx1"/>
                               </a:solidFill>
                               <a:latin typeface="Cambria Math" charset="0"/>
                             </a:rPr>
@@ -5397,7 +5394,7 @@
                           <m:r>
                             <a:rPr lang="en-US" i="1">
                               <a:solidFill>
-                                <a:schemeClr val="accent5"/>
+                                <a:schemeClr val="tx1"/>
                               </a:solidFill>
                               <a:latin typeface="Cambria Math" charset="0"/>
                             </a:rPr>
@@ -5406,7 +5403,7 @@
                           <m:r>
                             <a:rPr lang="en-US" i="1">
                               <a:solidFill>
-                                <a:schemeClr val="accent5"/>
+                                <a:schemeClr val="tx1"/>
                               </a:solidFill>
                               <a:latin typeface="Cambria Math" charset="0"/>
                             </a:rPr>
@@ -5417,7 +5414,7 @@
                       <m:r>
                         <a:rPr lang="en-US" i="1">
                           <a:solidFill>
-                            <a:schemeClr val="accent5"/>
+                            <a:schemeClr val="tx1"/>
                           </a:solidFill>
                           <a:latin typeface="Cambria Math" charset="0"/>
                         </a:rPr>
@@ -5489,9 +5486,9 @@
                       <m:sSub>
                         <m:sSubPr>
                           <m:ctrlPr>
-                            <a:rPr lang="en-US" i="1">
+                            <a:rPr lang="en-US" i="1" smtClean="0">
                               <a:solidFill>
-                                <a:schemeClr val="accent6"/>
+                                <a:schemeClr val="tx1"/>
                               </a:solidFill>
                               <a:latin typeface="Cambria Math" charset="0"/>
                             </a:rPr>
@@ -5501,7 +5498,7 @@
                           <m:r>
                             <a:rPr lang="en-US" i="1">
                               <a:solidFill>
-                                <a:schemeClr val="accent6"/>
+                                <a:schemeClr val="tx1"/>
                               </a:solidFill>
                               <a:latin typeface="Cambria Math" charset="0"/>
                             </a:rPr>
@@ -5512,7 +5509,7 @@
                           <m:r>
                             <a:rPr lang="en-US" i="1">
                               <a:solidFill>
-                                <a:schemeClr val="accent6"/>
+                                <a:schemeClr val="tx1"/>
                               </a:solidFill>
                               <a:latin typeface="Cambria Math" charset="0"/>
                             </a:rPr>
@@ -5523,7 +5520,7 @@
                       <m:r>
                         <a:rPr lang="en-US" i="1">
                           <a:solidFill>
-                            <a:schemeClr val="accent6"/>
+                            <a:schemeClr val="tx1"/>
                           </a:solidFill>
                           <a:latin typeface="Cambria Math" charset="0"/>
                         </a:rPr>
@@ -5534,7 +5531,7 @@
                 </a14:m>
                 <a:endParaRPr lang="en-US" dirty="0">
                   <a:solidFill>
-                    <a:schemeClr val="accent6"/>
+                    <a:schemeClr val="tx1"/>
                   </a:solidFill>
                 </a:endParaRPr>
               </a:p>
@@ -5551,9 +5548,9 @@
                       <m:sSub>
                         <m:sSubPr>
                           <m:ctrlPr>
-                            <a:rPr lang="en-US" i="1">
+                            <a:rPr lang="en-US" i="1" smtClean="0">
                               <a:solidFill>
-                                <a:schemeClr val="accent4"/>
+                                <a:schemeClr val="tx1"/>
                               </a:solidFill>
                               <a:latin typeface="Cambria Math" charset="0"/>
                             </a:rPr>
@@ -5563,7 +5560,7 @@
                           <m:r>
                             <a:rPr lang="en-US" i="1">
                               <a:solidFill>
-                                <a:schemeClr val="accent4"/>
+                                <a:schemeClr val="tx1"/>
                               </a:solidFill>
                               <a:latin typeface="Cambria Math" charset="0"/>
                             </a:rPr>
@@ -5574,7 +5571,7 @@
                           <m:r>
                             <a:rPr lang="en-US" i="1">
                               <a:solidFill>
-                                <a:schemeClr val="accent4"/>
+                                <a:schemeClr val="tx1"/>
                               </a:solidFill>
                               <a:latin typeface="Cambria Math" charset="0"/>
                             </a:rPr>
@@ -5587,7 +5584,7 @@
                           <m:ctrlPr>
                             <a:rPr lang="en-US" i="1">
                               <a:solidFill>
-                                <a:schemeClr val="accent4"/>
+                                <a:schemeClr val="tx1"/>
                               </a:solidFill>
                               <a:latin typeface="Cambria Math" charset="0"/>
                             </a:rPr>
@@ -5597,18 +5594,1687 @@
                           <m:r>
                             <a:rPr lang="en-US" i="1">
                               <a:solidFill>
-                                <a:schemeClr val="accent4"/>
+                                <a:schemeClr val="tx1"/>
                               </a:solidFill>
+                              <a:latin typeface="Cambria Math" charset="0"/>
+                            </a:rPr>
+                            <m:t>𝑧</m:t>
+                          </m:r>
+                          <m:r>
+                            <a:rPr lang="en-US" i="1" smtClean="0">
+                              <a:solidFill>
+                                <a:schemeClr val="tx1"/>
+                              </a:solidFill>
+                              <a:latin typeface="Cambria Math" charset="0"/>
+                            </a:rPr>
+                            <m:t>’</m:t>
+                          </m:r>
+                          <m:r>
+                            <a:rPr lang="en-US" b="0" i="1" smtClean="0">
+                              <a:solidFill>
+                                <a:schemeClr val="tx1"/>
+                              </a:solidFill>
+                              <a:latin typeface="Cambria Math" charset="0"/>
+                            </a:rPr>
+                            <m:t>+</m:t>
+                          </m:r>
+                          <m:r>
+                            <a:rPr lang="en-US" b="0" i="1" smtClean="0">
+                              <a:solidFill>
+                                <a:schemeClr val="tx1"/>
+                              </a:solidFill>
+                              <a:latin typeface="Cambria Math" charset="0"/>
+                            </a:rPr>
+                            <m:t>𝑑𝑧</m:t>
+                          </m:r>
+                          <m:r>
+                            <a:rPr lang="en-US" b="0" i="1" smtClean="0">
+                              <a:solidFill>
+                                <a:schemeClr val="tx1"/>
+                              </a:solidFill>
+                              <a:latin typeface="Cambria Math" charset="0"/>
+                            </a:rPr>
+                            <m:t>'</m:t>
+                          </m:r>
+                        </m:e>
+                      </m:d>
+                      <m:r>
+                        <a:rPr lang="en-US" b="0" i="1" smtClean="0">
+                          <a:solidFill>
+                            <a:schemeClr val="tx1"/>
+                          </a:solidFill>
+                          <a:latin typeface="Cambria Math" charset="0"/>
+                        </a:rPr>
+                        <m:t>=</m:t>
+                      </m:r>
+                      <m:sSub>
+                        <m:sSubPr>
+                          <m:ctrlPr>
+                            <a:rPr lang="en-US" b="0" i="1" smtClean="0">
+                              <a:solidFill>
+                                <a:schemeClr val="tx1"/>
+                              </a:solidFill>
+                              <a:latin typeface="Cambria Math" charset="0"/>
+                            </a:rPr>
+                          </m:ctrlPr>
+                        </m:sSubPr>
+                        <m:e>
+                          <m:r>
+                            <a:rPr lang="en-US" b="0" i="1" smtClean="0">
+                              <a:solidFill>
+                                <a:schemeClr val="tx1"/>
+                              </a:solidFill>
+                              <a:latin typeface="Cambria Math" charset="0"/>
+                            </a:rPr>
+                            <m:t>𝑃</m:t>
+                          </m:r>
+                        </m:e>
+                        <m:sub>
+                          <m:r>
+                            <a:rPr lang="en-US" b="0" i="1" smtClean="0">
+                              <a:solidFill>
+                                <a:schemeClr val="tx1"/>
+                              </a:solidFill>
+                              <a:latin typeface="Cambria Math" charset="0"/>
+                            </a:rPr>
+                            <m:t>0</m:t>
+                          </m:r>
+                        </m:sub>
+                      </m:sSub>
+                      <m:d>
+                        <m:dPr>
+                          <m:ctrlPr>
+                            <a:rPr lang="en-US" b="0" i="1" smtClean="0">
+                              <a:solidFill>
+                                <a:schemeClr val="tx1"/>
+                              </a:solidFill>
+                              <a:latin typeface="Cambria Math" charset="0"/>
+                            </a:rPr>
+                          </m:ctrlPr>
+                        </m:dPr>
+                        <m:e>
+                          <m:r>
+                            <a:rPr lang="en-US" b="0" i="1" smtClean="0">
+                              <a:solidFill>
+                                <a:schemeClr val="tx1"/>
+                              </a:solidFill>
+                              <a:latin typeface="Cambria Math" charset="0"/>
+                            </a:rPr>
+                            <m:t>𝑧</m:t>
+                          </m:r>
+                          <m:r>
+                            <a:rPr lang="en-US" b="0" i="1" smtClean="0">
+                              <a:solidFill>
+                                <a:schemeClr val="tx1"/>
+                              </a:solidFill>
+                              <a:latin typeface="Cambria Math" charset="0"/>
+                            </a:rPr>
+                            <m:t>’</m:t>
+                          </m:r>
+                        </m:e>
+                      </m:d>
+                      <m:d>
+                        <m:dPr>
+                          <m:begChr m:val="["/>
+                          <m:endChr m:val="]"/>
+                          <m:ctrlPr>
+                            <a:rPr lang="en-US" b="0" i="1" smtClean="0">
+                              <a:solidFill>
+                                <a:schemeClr val="tx1"/>
+                              </a:solidFill>
+                              <a:latin typeface="Cambria Math" charset="0"/>
+                            </a:rPr>
+                          </m:ctrlPr>
+                        </m:dPr>
+                        <m:e>
+                          <m:r>
+                            <a:rPr lang="en-US" b="0" i="1" smtClean="0">
+                              <a:solidFill>
+                                <a:schemeClr val="tx1"/>
+                              </a:solidFill>
+                              <a:latin typeface="Cambria Math" charset="0"/>
+                            </a:rPr>
+                            <m:t>1−</m:t>
+                          </m:r>
+                          <m:nary>
+                            <m:naryPr>
+                              <m:chr m:val="∑"/>
+                              <m:ctrlPr>
+                                <a:rPr lang="en-US" i="1" smtClean="0">
+                                  <a:solidFill>
+                                    <a:schemeClr val="accent6"/>
+                                  </a:solidFill>
+                                  <a:latin typeface="Cambria Math" charset="0"/>
+                                </a:rPr>
+                              </m:ctrlPr>
+                            </m:naryPr>
+                            <m:sub>
+                              <m:r>
+                                <m:rPr>
+                                  <m:brk m:alnAt="23"/>
+                                </m:rPr>
+                                <a:rPr lang="en-US" i="1">
+                                  <a:solidFill>
+                                    <a:schemeClr val="accent6"/>
+                                  </a:solidFill>
+                                  <a:latin typeface="Cambria Math" charset="0"/>
+                                </a:rPr>
+                                <m:t>𝑚</m:t>
+                              </m:r>
+                              <m:r>
+                                <a:rPr lang="en-US" i="1">
+                                  <a:solidFill>
+                                    <a:schemeClr val="accent6"/>
+                                  </a:solidFill>
+                                  <a:latin typeface="Cambria Math" charset="0"/>
+                                </a:rPr>
+                                <m:t>=1</m:t>
+                              </m:r>
+                            </m:sub>
+                            <m:sup>
+                              <m:r>
+                                <a:rPr lang="en-US" i="1">
+                                  <a:solidFill>
+                                    <a:schemeClr val="accent6"/>
+                                  </a:solidFill>
+                                  <a:latin typeface="Cambria Math" charset="0"/>
+                                </a:rPr>
+                                <m:t>𝑀</m:t>
+                              </m:r>
+                            </m:sup>
+                            <m:e>
+                              <m:sSub>
+                                <m:sSubPr>
+                                  <m:ctrlPr>
+                                    <a:rPr lang="en-US" i="1">
+                                      <a:solidFill>
+                                        <a:schemeClr val="accent6"/>
+                                      </a:solidFill>
+                                      <a:latin typeface="Cambria Math" charset="0"/>
+                                    </a:rPr>
+                                  </m:ctrlPr>
+                                </m:sSubPr>
+                                <m:e>
+                                  <m:r>
+                                    <a:rPr lang="en-US" i="1">
+                                      <a:solidFill>
+                                        <a:schemeClr val="accent6"/>
+                                      </a:solidFill>
+                                      <a:latin typeface="Cambria Math" charset="0"/>
+                                    </a:rPr>
+                                    <m:t>𝑎</m:t>
+                                  </m:r>
+                                </m:e>
+                                <m:sub>
+                                  <m:r>
+                                    <a:rPr lang="en-US" i="1">
+                                      <a:solidFill>
+                                        <a:schemeClr val="accent6"/>
+                                      </a:solidFill>
+                                      <a:latin typeface="Cambria Math" charset="0"/>
+                                    </a:rPr>
+                                    <m:t>𝑚</m:t>
+                                  </m:r>
+                                </m:sub>
+                              </m:sSub>
+                              <m:r>
+                                <a:rPr lang="en-US" i="1" smtClean="0">
+                                  <a:solidFill>
+                                    <a:schemeClr val="tx1"/>
+                                  </a:solidFill>
+                                  <a:latin typeface="Cambria Math" charset="0"/>
+                                </a:rPr>
+                                <m:t>𝑑𝑧</m:t>
+                              </m:r>
+                              <m:r>
+                                <a:rPr lang="en-US" i="1" smtClean="0">
+                                  <a:solidFill>
+                                    <a:schemeClr val="tx1"/>
+                                  </a:solidFill>
+                                  <a:latin typeface="Cambria Math" charset="0"/>
+                                </a:rPr>
+                                <m:t>'</m:t>
+                              </m:r>
+                            </m:e>
+                          </m:nary>
+                        </m:e>
+                      </m:d>
+                      <m:r>
+                        <a:rPr lang="en-US" b="0" i="1" smtClean="0">
+                          <a:solidFill>
+                            <a:schemeClr val="tx1"/>
+                          </a:solidFill>
+                          <a:latin typeface="Cambria Math" charset="0"/>
+                        </a:rPr>
+                        <m:t>=</m:t>
+                      </m:r>
+                      <m:sSub>
+                        <m:sSubPr>
+                          <m:ctrlPr>
+                            <a:rPr lang="en-US" b="0" i="1" smtClean="0">
+                              <a:solidFill>
+                                <a:schemeClr val="tx1"/>
+                              </a:solidFill>
+                              <a:latin typeface="Cambria Math" charset="0"/>
+                            </a:rPr>
+                          </m:ctrlPr>
+                        </m:sSubPr>
+                        <m:e>
+                          <m:r>
+                            <a:rPr lang="en-US" b="0" i="1" smtClean="0">
+                              <a:solidFill>
+                                <a:schemeClr val="tx1"/>
+                              </a:solidFill>
+                              <a:latin typeface="Cambria Math" charset="0"/>
+                            </a:rPr>
+                            <m:t>𝑃</m:t>
+                          </m:r>
+                        </m:e>
+                        <m:sub>
+                          <m:r>
+                            <a:rPr lang="en-US" b="0" i="1" smtClean="0">
+                              <a:solidFill>
+                                <a:schemeClr val="tx1"/>
+                              </a:solidFill>
+                              <a:latin typeface="Cambria Math" charset="0"/>
+                            </a:rPr>
+                            <m:t>0</m:t>
+                          </m:r>
+                        </m:sub>
+                      </m:sSub>
+                      <m:d>
+                        <m:dPr>
+                          <m:ctrlPr>
+                            <a:rPr lang="en-US" b="0" i="1" smtClean="0">
+                              <a:solidFill>
+                                <a:schemeClr val="tx1"/>
+                              </a:solidFill>
+                              <a:latin typeface="Cambria Math" charset="0"/>
+                            </a:rPr>
+                          </m:ctrlPr>
+                        </m:dPr>
+                        <m:e>
+                          <m:r>
+                            <a:rPr lang="en-US" b="0" i="1" smtClean="0">
+                              <a:solidFill>
+                                <a:schemeClr val="tx1"/>
+                              </a:solidFill>
+                              <a:latin typeface="Cambria Math" charset="0"/>
+                            </a:rPr>
+                            <m:t>𝑧</m:t>
+                          </m:r>
+                          <m:r>
+                            <a:rPr lang="en-US" b="0" i="1" smtClean="0">
+                              <a:solidFill>
+                                <a:schemeClr val="tx1"/>
+                              </a:solidFill>
+                              <a:latin typeface="Cambria Math" charset="0"/>
+                            </a:rPr>
+                            <m:t>'</m:t>
+                          </m:r>
+                        </m:e>
+                      </m:d>
+                      <m:r>
+                        <a:rPr lang="en-US" b="0" i="1" smtClean="0">
+                          <a:solidFill>
+                            <a:schemeClr val="tx1"/>
+                          </a:solidFill>
+                          <a:latin typeface="Cambria Math" charset="0"/>
+                        </a:rPr>
+                        <m:t>−</m:t>
+                      </m:r>
+                      <m:sSub>
+                        <m:sSubPr>
+                          <m:ctrlPr>
+                            <a:rPr lang="en-US" b="0" i="1" smtClean="0">
+                              <a:solidFill>
+                                <a:schemeClr val="tx1"/>
+                              </a:solidFill>
+                              <a:latin typeface="Cambria Math" charset="0"/>
+                            </a:rPr>
+                          </m:ctrlPr>
+                        </m:sSubPr>
+                        <m:e>
+                          <m:r>
+                            <a:rPr lang="en-US" b="0" i="1" smtClean="0">
+                              <a:solidFill>
+                                <a:schemeClr val="tx1"/>
+                              </a:solidFill>
+                              <a:latin typeface="Cambria Math" charset="0"/>
+                            </a:rPr>
+                            <m:t>𝑃</m:t>
+                          </m:r>
+                        </m:e>
+                        <m:sub>
+                          <m:r>
+                            <a:rPr lang="en-US" b="0" i="1" smtClean="0">
+                              <a:solidFill>
+                                <a:schemeClr val="tx1"/>
+                              </a:solidFill>
+                              <a:latin typeface="Cambria Math" charset="0"/>
+                            </a:rPr>
+                            <m:t>0</m:t>
+                          </m:r>
+                        </m:sub>
+                      </m:sSub>
+                      <m:d>
+                        <m:dPr>
+                          <m:ctrlPr>
+                            <a:rPr lang="en-US" b="0" i="1" smtClean="0">
+                              <a:solidFill>
+                                <a:schemeClr val="tx1"/>
+                              </a:solidFill>
+                              <a:latin typeface="Cambria Math" charset="0"/>
+                            </a:rPr>
+                          </m:ctrlPr>
+                        </m:dPr>
+                        <m:e>
+                          <m:r>
+                            <a:rPr lang="en-US" b="0" i="1" smtClean="0">
+                              <a:solidFill>
+                                <a:schemeClr val="tx1"/>
+                              </a:solidFill>
+                              <a:latin typeface="Cambria Math" charset="0"/>
+                            </a:rPr>
+                            <m:t>𝑧</m:t>
+                          </m:r>
+                          <m:r>
+                            <a:rPr lang="en-US" b="0" i="1" smtClean="0">
+                              <a:solidFill>
+                                <a:schemeClr val="tx1"/>
+                              </a:solidFill>
+                              <a:latin typeface="Cambria Math" charset="0"/>
+                            </a:rPr>
+                            <m:t>'</m:t>
+                          </m:r>
+                        </m:e>
+                      </m:d>
+                      <m:sSub>
+                        <m:sSubPr>
+                          <m:ctrlPr>
+                            <a:rPr lang="en-US" b="0" i="1" smtClean="0">
+                              <a:solidFill>
+                                <a:schemeClr val="accent6"/>
+                              </a:solidFill>
+                              <a:latin typeface="Cambria Math" charset="0"/>
+                            </a:rPr>
+                          </m:ctrlPr>
+                        </m:sSubPr>
+                        <m:e>
+                          <m:r>
+                            <a:rPr lang="en-US" b="0" i="1" smtClean="0">
+                              <a:solidFill>
+                                <a:schemeClr val="accent6"/>
+                              </a:solidFill>
+                              <a:latin typeface="Cambria Math" charset="0"/>
+                            </a:rPr>
+                            <m:t>𝑎</m:t>
+                          </m:r>
+                        </m:e>
+                        <m:sub>
+                          <m:r>
+                            <a:rPr lang="en-US" b="0" i="1" smtClean="0">
+                              <a:solidFill>
+                                <a:schemeClr val="accent6"/>
+                              </a:solidFill>
+                              <a:latin typeface="Cambria Math" charset="0"/>
+                            </a:rPr>
+                            <m:t>0</m:t>
+                          </m:r>
+                        </m:sub>
+                      </m:sSub>
+                      <m:sSub>
+                        <m:sSubPr>
+                          <m:ctrlPr>
+                            <a:rPr lang="en-US" b="0" i="1" smtClean="0">
+                              <a:solidFill>
+                                <a:schemeClr val="tx1"/>
+                              </a:solidFill>
+                              <a:latin typeface="Cambria Math" charset="0"/>
+                            </a:rPr>
+                          </m:ctrlPr>
+                        </m:sSubPr>
+                        <m:e>
+                          <m:r>
+                            <a:rPr lang="en-US" b="0" i="1" smtClean="0">
+                              <a:solidFill>
+                                <a:schemeClr val="tx1"/>
+                              </a:solidFill>
+                              <a:latin typeface="Cambria Math" charset="0"/>
+                            </a:rPr>
+                            <m:t>𝑑</m:t>
+                          </m:r>
+                        </m:e>
+                        <m:sub>
+                          <m:r>
+                            <a:rPr lang="en-US" b="0" i="1" smtClean="0">
+                              <a:solidFill>
+                                <a:schemeClr val="tx1"/>
+                              </a:solidFill>
+                              <a:latin typeface="Cambria Math" charset="0"/>
+                            </a:rPr>
+                            <m:t>𝑧</m:t>
+                          </m:r>
+                        </m:sub>
+                      </m:sSub>
+                      <m:r>
+                        <a:rPr lang="en-US" b="0" i="1" smtClean="0">
+                          <a:solidFill>
+                            <a:schemeClr val="tx1"/>
+                          </a:solidFill>
+                          <a:latin typeface="Cambria Math" charset="0"/>
+                        </a:rPr>
+                        <m:t>  </m:t>
+                      </m:r>
+                    </m:oMath>
+                  </m:oMathPara>
+                </a14:m>
+                <a:endParaRPr lang="en-US" dirty="0" smtClean="0">
+                  <a:solidFill>
+                    <a:schemeClr val="tx1"/>
+                  </a:solidFill>
+                </a:endParaRPr>
+              </a:p>
+              <a:p>
+                <a:pPr marL="0" indent="0">
+                  <a:buNone/>
+                </a:pPr>
+                <a:endParaRPr lang="en-US" dirty="0" smtClean="0">
+                  <a:solidFill>
+                    <a:schemeClr val="tx1"/>
+                  </a:solidFill>
+                </a:endParaRPr>
+              </a:p>
+              <a:p>
+                <a:pPr marL="0" indent="0">
+                  <a:buNone/>
+                </a:pPr>
+                <a14:m>
+                  <m:oMathPara xmlns:m="http://schemas.openxmlformats.org/officeDocument/2006/math">
+                    <m:oMathParaPr>
+                      <m:jc m:val="center"/>
+                    </m:oMathParaPr>
+                    <m:oMath xmlns:m="http://schemas.openxmlformats.org/officeDocument/2006/math">
+                      <m:sSub>
+                        <m:sSubPr>
+                          <m:ctrlPr>
+                            <a:rPr lang="en-US" i="1">
+                              <a:latin typeface="Cambria Math" charset="0"/>
+                            </a:rPr>
+                          </m:ctrlPr>
+                        </m:sSubPr>
+                        <m:e>
+                          <m:r>
+                            <a:rPr lang="en-US" i="1">
+                              <a:latin typeface="Cambria Math" charset="0"/>
+                            </a:rPr>
+                            <m:t>𝑃</m:t>
+                          </m:r>
+                        </m:e>
+                        <m:sub>
+                          <m:r>
+                            <a:rPr lang="en-US" i="1">
+                              <a:latin typeface="Cambria Math" charset="0"/>
+                            </a:rPr>
+                            <m:t>0</m:t>
+                          </m:r>
+                        </m:sub>
+                      </m:sSub>
+                      <m:d>
+                        <m:dPr>
+                          <m:ctrlPr>
+                            <a:rPr lang="en-US" i="1">
+                              <a:latin typeface="Cambria Math" charset="0"/>
+                            </a:rPr>
+                          </m:ctrlPr>
+                        </m:dPr>
+                        <m:e>
+                          <m:r>
+                            <a:rPr lang="en-US" i="1">
+                              <a:latin typeface="Cambria Math" charset="0"/>
+                            </a:rPr>
+                            <m:t>𝑧</m:t>
+                          </m:r>
+                          <m:r>
+                            <a:rPr lang="en-US" i="1">
+                              <a:latin typeface="Cambria Math" charset="0"/>
+                            </a:rPr>
+                            <m:t>’+</m:t>
+                          </m:r>
+                          <m:r>
+                            <a:rPr lang="en-US" i="1">
+                              <a:latin typeface="Cambria Math" charset="0"/>
+                            </a:rPr>
+                            <m:t>𝑑𝑧</m:t>
+                          </m:r>
+                          <m:r>
+                            <a:rPr lang="en-US" i="1">
+                              <a:latin typeface="Cambria Math" charset="0"/>
+                            </a:rPr>
+                            <m:t>′</m:t>
+                          </m:r>
+                        </m:e>
+                      </m:d>
+                      <m:r>
+                        <a:rPr lang="en-US" b="0" i="1" smtClean="0">
+                          <a:latin typeface="Cambria Math" charset="0"/>
+                        </a:rPr>
+                        <m:t>−</m:t>
+                      </m:r>
+                      <m:sSub>
+                        <m:sSubPr>
+                          <m:ctrlPr>
+                            <a:rPr lang="en-US" i="1">
+                              <a:latin typeface="Cambria Math" charset="0"/>
+                            </a:rPr>
+                          </m:ctrlPr>
+                        </m:sSubPr>
+                        <m:e>
+                          <m:r>
+                            <a:rPr lang="en-US" i="1">
+                              <a:latin typeface="Cambria Math" charset="0"/>
+                            </a:rPr>
+                            <m:t>𝑃</m:t>
+                          </m:r>
+                        </m:e>
+                        <m:sub>
+                          <m:r>
+                            <a:rPr lang="en-US" i="1">
+                              <a:latin typeface="Cambria Math" charset="0"/>
+                            </a:rPr>
+                            <m:t>0</m:t>
+                          </m:r>
+                        </m:sub>
+                      </m:sSub>
+                      <m:d>
+                        <m:dPr>
+                          <m:ctrlPr>
+                            <a:rPr lang="en-US" i="1">
+                              <a:latin typeface="Cambria Math" charset="0"/>
+                            </a:rPr>
+                          </m:ctrlPr>
+                        </m:dPr>
+                        <m:e>
+                          <m:sSup>
+                            <m:sSupPr>
+                              <m:ctrlPr>
+                                <a:rPr lang="en-US" i="1">
+                                  <a:latin typeface="Cambria Math" charset="0"/>
+                                </a:rPr>
+                              </m:ctrlPr>
+                            </m:sSupPr>
+                            <m:e>
+                              <m:r>
+                                <a:rPr lang="en-US" i="1">
+                                  <a:latin typeface="Cambria Math" charset="0"/>
+                                </a:rPr>
+                                <m:t>𝑧</m:t>
+                              </m:r>
+                            </m:e>
+                            <m:sup>
+                              <m:r>
+                                <a:rPr lang="en-US" i="1">
+                                  <a:latin typeface="Cambria Math" charset="0"/>
+                                </a:rPr>
+                                <m:t>′</m:t>
+                              </m:r>
+                            </m:sup>
+                          </m:sSup>
+                        </m:e>
+                      </m:d>
+                      <m:r>
+                        <a:rPr lang="en-US" b="0" i="1" smtClean="0">
+                          <a:latin typeface="Cambria Math" charset="0"/>
+                        </a:rPr>
+                        <m:t>=</m:t>
+                      </m:r>
+                      <m:r>
+                        <a:rPr lang="en-US" b="0" i="1" smtClean="0">
+                          <a:latin typeface="Cambria Math" charset="0"/>
+                        </a:rPr>
+                        <m:t>𝑑</m:t>
+                      </m:r>
+                      <m:sSub>
+                        <m:sSubPr>
+                          <m:ctrlPr>
+                            <a:rPr lang="en-US" b="0" i="1" smtClean="0">
+                              <a:latin typeface="Cambria Math" charset="0"/>
+                            </a:rPr>
+                          </m:ctrlPr>
+                        </m:sSubPr>
+                        <m:e>
+                          <m:r>
+                            <a:rPr lang="en-US" b="0" i="1" smtClean="0">
+                              <a:latin typeface="Cambria Math" charset="0"/>
+                            </a:rPr>
+                            <m:t>𝑃</m:t>
+                          </m:r>
+                        </m:e>
+                        <m:sub>
+                          <m:r>
+                            <a:rPr lang="en-US" b="0" i="1" smtClean="0">
+                              <a:latin typeface="Cambria Math" charset="0"/>
+                            </a:rPr>
+                            <m:t>0</m:t>
+                          </m:r>
+                        </m:sub>
+                      </m:sSub>
+                      <m:d>
+                        <m:dPr>
+                          <m:ctrlPr>
+                            <a:rPr lang="en-US" b="0" i="1" smtClean="0">
+                              <a:latin typeface="Cambria Math" charset="0"/>
+                            </a:rPr>
+                          </m:ctrlPr>
+                        </m:dPr>
+                        <m:e>
+                          <m:r>
+                            <a:rPr lang="en-US" b="0" i="1" smtClean="0">
                               <a:latin typeface="Cambria Math" charset="0"/>
                             </a:rPr>
                             <m:t>𝑧</m:t>
                           </m:r>
                         </m:e>
                       </m:d>
+                      <m:r>
+                        <a:rPr lang="en-US" b="0" i="1" smtClean="0">
+                          <a:latin typeface="Cambria Math" charset="0"/>
+                        </a:rPr>
+                        <m:t>=</m:t>
+                      </m:r>
+                      <m:r>
+                        <a:rPr lang="en-US" i="1">
+                          <a:latin typeface="Cambria Math" charset="0"/>
+                        </a:rPr>
+                        <m:t>−</m:t>
+                      </m:r>
+                      <m:sSub>
+                        <m:sSubPr>
+                          <m:ctrlPr>
+                            <a:rPr lang="en-US" i="1">
+                              <a:latin typeface="Cambria Math" charset="0"/>
+                            </a:rPr>
+                          </m:ctrlPr>
+                        </m:sSubPr>
+                        <m:e>
+                          <m:r>
+                            <a:rPr lang="en-US" i="1">
+                              <a:latin typeface="Cambria Math" charset="0"/>
+                            </a:rPr>
+                            <m:t>𝑃</m:t>
+                          </m:r>
+                        </m:e>
+                        <m:sub>
+                          <m:r>
+                            <a:rPr lang="en-US" i="1">
+                              <a:latin typeface="Cambria Math" charset="0"/>
+                            </a:rPr>
+                            <m:t>0</m:t>
+                          </m:r>
+                        </m:sub>
+                      </m:sSub>
+                      <m:d>
+                        <m:dPr>
+                          <m:ctrlPr>
+                            <a:rPr lang="en-US" i="1">
+                              <a:latin typeface="Cambria Math" charset="0"/>
+                            </a:rPr>
+                          </m:ctrlPr>
+                        </m:dPr>
+                        <m:e>
+                          <m:sSup>
+                            <m:sSupPr>
+                              <m:ctrlPr>
+                                <a:rPr lang="en-US" i="1">
+                                  <a:latin typeface="Cambria Math" charset="0"/>
+                                </a:rPr>
+                              </m:ctrlPr>
+                            </m:sSupPr>
+                            <m:e>
+                              <m:r>
+                                <a:rPr lang="en-US" i="1">
+                                  <a:latin typeface="Cambria Math" charset="0"/>
+                                </a:rPr>
+                                <m:t>𝑧</m:t>
+                              </m:r>
+                            </m:e>
+                            <m:sup>
+                              <m:r>
+                                <a:rPr lang="en-US" i="1">
+                                  <a:latin typeface="Cambria Math" charset="0"/>
+                                </a:rPr>
+                                <m:t>′</m:t>
+                              </m:r>
+                            </m:sup>
+                          </m:sSup>
+                        </m:e>
+                      </m:d>
+                      <m:sSub>
+                        <m:sSubPr>
+                          <m:ctrlPr>
+                            <a:rPr lang="en-US" i="1" smtClean="0">
+                              <a:solidFill>
+                                <a:schemeClr val="tx1"/>
+                              </a:solidFill>
+                              <a:latin typeface="Cambria Math" charset="0"/>
+                            </a:rPr>
+                          </m:ctrlPr>
+                        </m:sSubPr>
+                        <m:e>
+                          <m:r>
+                            <a:rPr lang="en-US" i="1">
+                              <a:solidFill>
+                                <a:schemeClr val="tx1"/>
+                              </a:solidFill>
+                              <a:latin typeface="Cambria Math" charset="0"/>
+                            </a:rPr>
+                            <m:t>𝑎</m:t>
+                          </m:r>
+                        </m:e>
+                        <m:sub>
+                          <m:r>
+                            <a:rPr lang="en-US" i="1">
+                              <a:solidFill>
+                                <a:schemeClr val="tx1"/>
+                              </a:solidFill>
+                              <a:latin typeface="Cambria Math" charset="0"/>
+                            </a:rPr>
+                            <m:t>0</m:t>
+                          </m:r>
+                        </m:sub>
+                      </m:sSub>
+                      <m:sSub>
+                        <m:sSubPr>
+                          <m:ctrlPr>
+                            <a:rPr lang="en-US" i="1">
+                              <a:latin typeface="Cambria Math" charset="0"/>
+                            </a:rPr>
+                          </m:ctrlPr>
+                        </m:sSubPr>
+                        <m:e>
+                          <m:r>
+                            <a:rPr lang="en-US" i="1">
+                              <a:latin typeface="Cambria Math" charset="0"/>
+                            </a:rPr>
+                            <m:t>𝑑</m:t>
+                          </m:r>
+                        </m:e>
+                        <m:sub>
+                          <m:r>
+                            <a:rPr lang="en-US" i="1">
+                              <a:latin typeface="Cambria Math" charset="0"/>
+                            </a:rPr>
+                            <m:t>𝑧</m:t>
+                          </m:r>
+                        </m:sub>
+                      </m:sSub>
                     </m:oMath>
                   </m:oMathPara>
                 </a14:m>
-                <a:endParaRPr lang="en-US" dirty="0"/>
+                <a:endParaRPr lang="en-US" dirty="0" smtClean="0"/>
+              </a:p>
+              <a:p>
+                <a:pPr marL="0" indent="0">
+                  <a:buNone/>
+                </a:pPr>
+                <a:r>
+                  <a:rPr lang="en-US" dirty="0" smtClean="0"/>
+                  <a:t/>
+                </a:r>
+                <a:br>
+                  <a:rPr lang="en-US" dirty="0" smtClean="0"/>
+                </a:br>
+                <a14:m>
+                  <m:oMathPara xmlns:m="http://schemas.openxmlformats.org/officeDocument/2006/math">
+                    <m:oMathParaPr>
+                      <m:jc m:val="center"/>
+                    </m:oMathParaPr>
+                    <m:oMath xmlns:m="http://schemas.openxmlformats.org/officeDocument/2006/math">
+                      <m:f>
+                        <m:fPr>
+                          <m:ctrlPr>
+                            <a:rPr lang="en-US" b="0" i="1" smtClean="0">
+                              <a:latin typeface="Cambria Math" charset="0"/>
+                            </a:rPr>
+                          </m:ctrlPr>
+                        </m:fPr>
+                        <m:num>
+                          <m:r>
+                            <a:rPr lang="en-US" b="0" i="1" smtClean="0">
+                              <a:latin typeface="Cambria Math" charset="0"/>
+                            </a:rPr>
+                            <m:t>𝑑</m:t>
+                          </m:r>
+                          <m:sSub>
+                            <m:sSubPr>
+                              <m:ctrlPr>
+                                <a:rPr lang="en-US" b="0" i="1" smtClean="0">
+                                  <a:latin typeface="Cambria Math" charset="0"/>
+                                </a:rPr>
+                              </m:ctrlPr>
+                            </m:sSubPr>
+                            <m:e>
+                              <m:r>
+                                <a:rPr lang="en-US" b="0" i="1" smtClean="0">
+                                  <a:latin typeface="Cambria Math" charset="0"/>
+                                </a:rPr>
+                                <m:t>𝑃</m:t>
+                              </m:r>
+                            </m:e>
+                            <m:sub>
+                              <m:r>
+                                <a:rPr lang="en-US" b="0" i="1" smtClean="0">
+                                  <a:latin typeface="Cambria Math" charset="0"/>
+                                </a:rPr>
+                                <m:t>0</m:t>
+                              </m:r>
+                            </m:sub>
+                          </m:sSub>
+                          <m:d>
+                            <m:dPr>
+                              <m:ctrlPr>
+                                <a:rPr lang="en-US" b="0" i="1" smtClean="0">
+                                  <a:latin typeface="Cambria Math" charset="0"/>
+                                </a:rPr>
+                              </m:ctrlPr>
+                            </m:dPr>
+                            <m:e>
+                              <m:r>
+                                <a:rPr lang="en-US" b="0" i="1" smtClean="0">
+                                  <a:latin typeface="Cambria Math" charset="0"/>
+                                </a:rPr>
+                                <m:t>𝑧</m:t>
+                              </m:r>
+                            </m:e>
+                          </m:d>
+                        </m:num>
+                        <m:den>
+                          <m:sSub>
+                            <m:sSubPr>
+                              <m:ctrlPr>
+                                <a:rPr lang="en-US" i="1">
+                                  <a:latin typeface="Cambria Math" charset="0"/>
+                                </a:rPr>
+                              </m:ctrlPr>
+                            </m:sSubPr>
+                            <m:e>
+                              <m:r>
+                                <a:rPr lang="en-US" i="1">
+                                  <a:latin typeface="Cambria Math" charset="0"/>
+                                </a:rPr>
+                                <m:t>𝑃</m:t>
+                              </m:r>
+                            </m:e>
+                            <m:sub>
+                              <m:r>
+                                <a:rPr lang="en-US" i="1">
+                                  <a:latin typeface="Cambria Math" charset="0"/>
+                                </a:rPr>
+                                <m:t>0</m:t>
+                              </m:r>
+                            </m:sub>
+                          </m:sSub>
+                          <m:d>
+                            <m:dPr>
+                              <m:ctrlPr>
+                                <a:rPr lang="en-US" i="1">
+                                  <a:latin typeface="Cambria Math" charset="0"/>
+                                </a:rPr>
+                              </m:ctrlPr>
+                            </m:dPr>
+                            <m:e>
+                              <m:r>
+                                <a:rPr lang="en-US" i="1">
+                                  <a:latin typeface="Cambria Math" charset="0"/>
+                                </a:rPr>
+                                <m:t>𝑧</m:t>
+                              </m:r>
+                            </m:e>
+                          </m:d>
+                        </m:den>
+                      </m:f>
+                      <m:r>
+                        <a:rPr lang="en-US" b="0" i="1" smtClean="0">
+                          <a:latin typeface="Cambria Math" charset="0"/>
+                        </a:rPr>
+                        <m:t>=</m:t>
+                      </m:r>
+                      <m:sSub>
+                        <m:sSubPr>
+                          <m:ctrlPr>
+                            <a:rPr lang="en-US" b="0" i="1" smtClean="0">
+                              <a:latin typeface="Cambria Math" charset="0"/>
+                            </a:rPr>
+                          </m:ctrlPr>
+                        </m:sSubPr>
+                        <m:e>
+                          <m:r>
+                            <a:rPr lang="en-US" b="0" i="1" smtClean="0">
+                              <a:latin typeface="Cambria Math" charset="0"/>
+                            </a:rPr>
+                            <m:t>−</m:t>
+                          </m:r>
+                          <m:r>
+                            <a:rPr lang="en-US" b="0" i="1" smtClean="0">
+                              <a:latin typeface="Cambria Math" charset="0"/>
+                            </a:rPr>
+                            <m:t>𝑎</m:t>
+                          </m:r>
+                        </m:e>
+                        <m:sub>
+                          <m:r>
+                            <a:rPr lang="en-US" b="0" i="1" smtClean="0">
+                              <a:latin typeface="Cambria Math" charset="0"/>
+                            </a:rPr>
+                            <m:t>0</m:t>
+                          </m:r>
+                        </m:sub>
+                      </m:sSub>
+                      <m:r>
+                        <a:rPr lang="en-US" b="0" i="1" smtClean="0">
+                          <a:latin typeface="Cambria Math" charset="0"/>
+                        </a:rPr>
+                        <m:t>𝑑𝑧</m:t>
+                      </m:r>
+                      <m:r>
+                        <a:rPr lang="en-US" b="0" i="1" smtClean="0">
+                          <a:latin typeface="Cambria Math" charset="0"/>
+                        </a:rPr>
+                        <m:t>→</m:t>
+                      </m:r>
+                      <m:func>
+                        <m:funcPr>
+                          <m:ctrlPr>
+                            <a:rPr lang="en-US" b="0" i="1" smtClean="0">
+                              <a:latin typeface="Cambria Math" charset="0"/>
+                            </a:rPr>
+                          </m:ctrlPr>
+                        </m:funcPr>
+                        <m:fName>
+                          <m:r>
+                            <m:rPr>
+                              <m:sty m:val="p"/>
+                            </m:rPr>
+                            <a:rPr lang="en-US" b="0" i="0" smtClean="0">
+                              <a:latin typeface="Cambria Math" charset="0"/>
+                            </a:rPr>
+                            <m:t>ln</m:t>
+                          </m:r>
+                        </m:fName>
+                        <m:e>
+                          <m:d>
+                            <m:dPr>
+                              <m:ctrlPr>
+                                <a:rPr lang="en-US" b="0" i="1" smtClean="0">
+                                  <a:latin typeface="Cambria Math" charset="0"/>
+                                </a:rPr>
+                              </m:ctrlPr>
+                            </m:dPr>
+                            <m:e>
+                              <m:sSub>
+                                <m:sSubPr>
+                                  <m:ctrlPr>
+                                    <a:rPr lang="en-US" b="0" i="1" smtClean="0">
+                                      <a:latin typeface="Cambria Math" charset="0"/>
+                                    </a:rPr>
+                                  </m:ctrlPr>
+                                </m:sSubPr>
+                                <m:e>
+                                  <m:r>
+                                    <a:rPr lang="en-US" b="0" i="1" smtClean="0">
+                                      <a:latin typeface="Cambria Math" charset="0"/>
+                                    </a:rPr>
+                                    <m:t>𝑃</m:t>
+                                  </m:r>
+                                </m:e>
+                                <m:sub>
+                                  <m:r>
+                                    <a:rPr lang="en-US" b="0" i="1" smtClean="0">
+                                      <a:latin typeface="Cambria Math" charset="0"/>
+                                    </a:rPr>
+                                    <m:t>0</m:t>
+                                  </m:r>
+                                </m:sub>
+                              </m:sSub>
+                              <m:r>
+                                <a:rPr lang="en-US" b="0" i="1" smtClean="0">
+                                  <a:latin typeface="Cambria Math" charset="0"/>
+                                </a:rPr>
+                                <m:t>(</m:t>
+                              </m:r>
+                              <m:r>
+                                <a:rPr lang="en-US" b="0" i="1" smtClean="0">
+                                  <a:latin typeface="Cambria Math" charset="0"/>
+                                </a:rPr>
+                                <m:t>𝑧</m:t>
+                              </m:r>
+                              <m:r>
+                                <a:rPr lang="en-US" b="0" i="1" smtClean="0">
+                                  <a:latin typeface="Cambria Math" charset="0"/>
+                                </a:rPr>
+                                <m:t>)</m:t>
+                              </m:r>
+                            </m:e>
+                          </m:d>
+                        </m:e>
+                      </m:func>
+                      <m:r>
+                        <a:rPr lang="en-US" b="0" i="1" smtClean="0">
+                          <a:latin typeface="Cambria Math" charset="0"/>
+                        </a:rPr>
+                        <m:t>=</m:t>
+                      </m:r>
+                      <m:sSub>
+                        <m:sSubPr>
+                          <m:ctrlPr>
+                            <a:rPr lang="en-US" b="0" i="1" smtClean="0">
+                              <a:latin typeface="Cambria Math" charset="0"/>
+                            </a:rPr>
+                          </m:ctrlPr>
+                        </m:sSubPr>
+                        <m:e>
+                          <m:r>
+                            <a:rPr lang="en-US" b="0" i="1" smtClean="0">
+                              <a:latin typeface="Cambria Math" charset="0"/>
+                            </a:rPr>
+                            <m:t>𝑎</m:t>
+                          </m:r>
+                        </m:e>
+                        <m:sub>
+                          <m:r>
+                            <a:rPr lang="en-US" b="0" i="1" smtClean="0">
+                              <a:latin typeface="Cambria Math" charset="0"/>
+                            </a:rPr>
+                            <m:t>0</m:t>
+                          </m:r>
+                        </m:sub>
+                      </m:sSub>
+                      <m:r>
+                        <a:rPr lang="en-US" b="0" i="1" smtClean="0">
+                          <a:latin typeface="Cambria Math" charset="0"/>
+                        </a:rPr>
+                        <m:t>𝑧</m:t>
+                      </m:r>
+                      <m:r>
+                        <a:rPr lang="en-US" b="0" i="1" smtClean="0">
+                          <a:latin typeface="Cambria Math" charset="0"/>
+                        </a:rPr>
+                        <m:t>→</m:t>
+                      </m:r>
+                      <m:sSub>
+                        <m:sSubPr>
+                          <m:ctrlPr>
+                            <a:rPr lang="en-US" b="0" i="1" smtClean="0">
+                              <a:solidFill>
+                                <a:schemeClr val="accent4"/>
+                              </a:solidFill>
+                              <a:latin typeface="Cambria Math" charset="0"/>
+                            </a:rPr>
+                          </m:ctrlPr>
+                        </m:sSubPr>
+                        <m:e>
+                          <m:r>
+                            <a:rPr lang="en-US" b="0" i="1" smtClean="0">
+                              <a:solidFill>
+                                <a:schemeClr val="accent4"/>
+                              </a:solidFill>
+                              <a:latin typeface="Cambria Math" charset="0"/>
+                            </a:rPr>
+                            <m:t>𝑃</m:t>
+                          </m:r>
+                        </m:e>
+                        <m:sub>
+                          <m:r>
+                            <a:rPr lang="en-US" b="0" i="1" smtClean="0">
+                              <a:solidFill>
+                                <a:schemeClr val="accent4"/>
+                              </a:solidFill>
+                              <a:latin typeface="Cambria Math" charset="0"/>
+                            </a:rPr>
+                            <m:t>0</m:t>
+                          </m:r>
+                        </m:sub>
+                      </m:sSub>
+                      <m:d>
+                        <m:dPr>
+                          <m:ctrlPr>
+                            <a:rPr lang="en-US" b="0" i="1" smtClean="0">
+                              <a:solidFill>
+                                <a:schemeClr val="accent4"/>
+                              </a:solidFill>
+                              <a:latin typeface="Cambria Math" charset="0"/>
+                            </a:rPr>
+                          </m:ctrlPr>
+                        </m:dPr>
+                        <m:e>
+                          <m:r>
+                            <a:rPr lang="en-US" b="0" i="1" smtClean="0">
+                              <a:solidFill>
+                                <a:schemeClr val="accent4"/>
+                              </a:solidFill>
+                              <a:latin typeface="Cambria Math" charset="0"/>
+                            </a:rPr>
+                            <m:t>𝑧</m:t>
+                          </m:r>
+                        </m:e>
+                      </m:d>
+                      <m:r>
+                        <a:rPr lang="en-US" b="0" i="1" smtClean="0">
+                          <a:solidFill>
+                            <a:schemeClr val="accent4"/>
+                          </a:solidFill>
+                          <a:latin typeface="Cambria Math" charset="0"/>
+                        </a:rPr>
+                        <m:t>=</m:t>
+                      </m:r>
+                      <m:sSup>
+                        <m:sSupPr>
+                          <m:ctrlPr>
+                            <a:rPr lang="en-US" b="0" i="1" smtClean="0">
+                              <a:solidFill>
+                                <a:schemeClr val="accent4"/>
+                              </a:solidFill>
+                              <a:latin typeface="Cambria Math" charset="0"/>
+                            </a:rPr>
+                          </m:ctrlPr>
+                        </m:sSupPr>
+                        <m:e>
+                          <m:r>
+                            <a:rPr lang="en-US" b="0" i="1" smtClean="0">
+                              <a:solidFill>
+                                <a:schemeClr val="accent4"/>
+                              </a:solidFill>
+                              <a:latin typeface="Cambria Math" charset="0"/>
+                            </a:rPr>
+                            <m:t>𝑒</m:t>
+                          </m:r>
+                        </m:e>
+                        <m:sup>
+                          <m:r>
+                            <a:rPr lang="en-US" b="0" i="1" smtClean="0">
+                              <a:solidFill>
+                                <a:schemeClr val="accent4"/>
+                              </a:solidFill>
+                              <a:latin typeface="Cambria Math" charset="0"/>
+                            </a:rPr>
+                            <m:t>−</m:t>
+                          </m:r>
+                          <m:sSub>
+                            <m:sSubPr>
+                              <m:ctrlPr>
+                                <a:rPr lang="en-US" b="0" i="1" smtClean="0">
+                                  <a:solidFill>
+                                    <a:schemeClr val="accent4"/>
+                                  </a:solidFill>
+                                  <a:latin typeface="Cambria Math" charset="0"/>
+                                </a:rPr>
+                              </m:ctrlPr>
+                            </m:sSubPr>
+                            <m:e>
+                              <m:r>
+                                <a:rPr lang="en-US" b="0" i="1" smtClean="0">
+                                  <a:solidFill>
+                                    <a:schemeClr val="accent4"/>
+                                  </a:solidFill>
+                                  <a:latin typeface="Cambria Math" charset="0"/>
+                                </a:rPr>
+                                <m:t>𝑎</m:t>
+                              </m:r>
+                            </m:e>
+                            <m:sub>
+                              <m:r>
+                                <a:rPr lang="en-US" b="0" i="1" smtClean="0">
+                                  <a:solidFill>
+                                    <a:schemeClr val="accent4"/>
+                                  </a:solidFill>
+                                  <a:latin typeface="Cambria Math" charset="0"/>
+                                </a:rPr>
+                                <m:t>0</m:t>
+                              </m:r>
+                            </m:sub>
+                          </m:sSub>
+                          <m:r>
+                            <a:rPr lang="en-US" b="0" i="1" smtClean="0">
+                              <a:solidFill>
+                                <a:schemeClr val="accent4"/>
+                              </a:solidFill>
+                              <a:latin typeface="Cambria Math" charset="0"/>
+                            </a:rPr>
+                            <m:t>𝑧</m:t>
+                          </m:r>
+                        </m:sup>
+                      </m:sSup>
+                    </m:oMath>
+                  </m:oMathPara>
+                </a14:m>
+                <a:endParaRPr lang="en-US" b="0" dirty="0" smtClean="0"/>
+              </a:p>
+              <a:p>
+                <a:pPr marL="0" indent="0">
+                  <a:buNone/>
+                </a:pPr>
+                <a:r>
+                  <a:rPr lang="en-US" b="0" dirty="0" smtClean="0"/>
+                  <a:t/>
+                </a:r>
+                <a:br>
+                  <a:rPr lang="en-US" b="0" dirty="0" smtClean="0"/>
+                </a:br>
+                <a14:m>
+                  <m:oMathPara xmlns:m="http://schemas.openxmlformats.org/officeDocument/2006/math">
+                    <m:oMathParaPr>
+                      <m:jc m:val="center"/>
+                    </m:oMathParaPr>
+                    <m:oMath xmlns:m="http://schemas.openxmlformats.org/officeDocument/2006/math">
+                      <m:r>
+                        <a:rPr lang="en-US" b="0" i="1" smtClean="0">
+                          <a:latin typeface="Cambria Math" charset="0"/>
+                        </a:rPr>
+                        <m:t>𝑆𝑢𝑏𝑠𝑡𝑖𝑡𝑢𝑡𝑒</m:t>
+                      </m:r>
+                      <m:r>
+                        <a:rPr lang="en-US" b="0" i="1" smtClean="0">
+                          <a:latin typeface="Cambria Math" charset="0"/>
+                        </a:rPr>
+                        <m:t> </m:t>
+                      </m:r>
+                      <m:r>
+                        <a:rPr lang="en-US" b="0" i="1" smtClean="0">
+                          <a:latin typeface="Cambria Math" charset="0"/>
+                        </a:rPr>
+                        <m:t>𝑖𝑛</m:t>
+                      </m:r>
+                      <m:r>
+                        <a:rPr lang="en-US" b="0" i="1" smtClean="0">
+                          <a:latin typeface="Cambria Math" charset="0"/>
+                        </a:rPr>
+                        <m:t> </m:t>
+                      </m:r>
+                      <m:r>
+                        <a:rPr lang="en-US" b="0" i="1" smtClean="0">
+                          <a:latin typeface="Cambria Math" charset="0"/>
+                        </a:rPr>
+                        <m:t>𝑡h𝑒</m:t>
+                      </m:r>
+                      <m:r>
+                        <a:rPr lang="en-US" b="0" i="1" smtClean="0">
+                          <a:latin typeface="Cambria Math" charset="0"/>
+                        </a:rPr>
+                        <m:t> </m:t>
+                      </m:r>
+                      <m:r>
+                        <a:rPr lang="en-US" b="0" i="1" smtClean="0">
+                          <a:latin typeface="Cambria Math" charset="0"/>
+                        </a:rPr>
+                        <m:t>𝑓𝑖𝑟𝑠𝑡</m:t>
+                      </m:r>
+                      <m:r>
+                        <a:rPr lang="en-US" b="0" i="1" smtClean="0">
+                          <a:latin typeface="Cambria Math" charset="0"/>
+                        </a:rPr>
+                        <m:t> </m:t>
+                      </m:r>
+                      <m:r>
+                        <a:rPr lang="en-US" b="0" i="1" smtClean="0">
+                          <a:latin typeface="Cambria Math" charset="0"/>
+                        </a:rPr>
+                        <m:t>𝑒𝑞𝑢𝑎𝑡𝑖𝑜𝑛</m:t>
+                      </m:r>
+                      <m:r>
+                        <a:rPr lang="en-US" b="0" i="1" smtClean="0">
+                          <a:latin typeface="Cambria Math" charset="0"/>
+                        </a:rPr>
+                        <m:t>: </m:t>
+                      </m:r>
+                      <m:r>
+                        <a:rPr lang="en-US" i="1">
+                          <a:latin typeface="Cambria Math" charset="0"/>
+                        </a:rPr>
+                        <m:t>𝑃</m:t>
+                      </m:r>
+                      <m:d>
+                        <m:dPr>
+                          <m:ctrlPr>
+                            <a:rPr lang="en-US" i="1">
+                              <a:latin typeface="Cambria Math" charset="0"/>
+                            </a:rPr>
+                          </m:ctrlPr>
+                        </m:dPr>
+                        <m:e>
+                          <m:r>
+                            <a:rPr lang="en-US" i="1">
+                              <a:latin typeface="Cambria Math" charset="0"/>
+                            </a:rPr>
+                            <m:t>𝑧</m:t>
+                          </m:r>
+                          <m:r>
+                            <a:rPr lang="en-US" i="1">
+                              <a:latin typeface="Cambria Math" charset="0"/>
+                            </a:rPr>
+                            <m:t>,</m:t>
+                          </m:r>
+                          <m:r>
+                            <a:rPr lang="en-US" i="1">
+                              <a:latin typeface="Cambria Math" charset="0"/>
+                            </a:rPr>
+                            <m:t>𝜇</m:t>
+                          </m:r>
+                        </m:e>
+                      </m:d>
+                      <m:r>
+                        <a:rPr lang="en-US" i="1" strike="sngStrike">
+                          <a:latin typeface="Cambria Math" charset="0"/>
+                        </a:rPr>
+                        <m:t>𝑑𝑧</m:t>
+                      </m:r>
+                      <m:r>
+                        <a:rPr lang="en-US" i="1">
+                          <a:latin typeface="Cambria Math" charset="0"/>
+                        </a:rPr>
+                        <m:t>=</m:t>
+                      </m:r>
+                      <m:sSup>
+                        <m:sSupPr>
+                          <m:ctrlPr>
+                            <a:rPr lang="en-US" i="1" smtClean="0">
+                              <a:solidFill>
+                                <a:schemeClr val="accent4"/>
+                              </a:solidFill>
+                              <a:latin typeface="Cambria Math" charset="0"/>
+                            </a:rPr>
+                          </m:ctrlPr>
+                        </m:sSupPr>
+                        <m:e>
+                          <m:r>
+                            <a:rPr lang="en-US" i="1">
+                              <a:solidFill>
+                                <a:schemeClr val="accent4"/>
+                              </a:solidFill>
+                              <a:latin typeface="Cambria Math" charset="0"/>
+                            </a:rPr>
+                            <m:t>𝑒</m:t>
+                          </m:r>
+                        </m:e>
+                        <m:sup>
+                          <m:r>
+                            <a:rPr lang="en-US" i="1">
+                              <a:solidFill>
+                                <a:schemeClr val="accent4"/>
+                              </a:solidFill>
+                              <a:latin typeface="Cambria Math" charset="0"/>
+                            </a:rPr>
+                            <m:t>−</m:t>
+                          </m:r>
+                          <m:sSub>
+                            <m:sSubPr>
+                              <m:ctrlPr>
+                                <a:rPr lang="en-US" i="1">
+                                  <a:solidFill>
+                                    <a:schemeClr val="accent4"/>
+                                  </a:solidFill>
+                                  <a:latin typeface="Cambria Math" charset="0"/>
+                                </a:rPr>
+                              </m:ctrlPr>
+                            </m:sSubPr>
+                            <m:e>
+                              <m:r>
+                                <a:rPr lang="en-US" i="1">
+                                  <a:solidFill>
+                                    <a:schemeClr val="accent4"/>
+                                  </a:solidFill>
+                                  <a:latin typeface="Cambria Math" charset="0"/>
+                                </a:rPr>
+                                <m:t>𝑎</m:t>
+                              </m:r>
+                            </m:e>
+                            <m:sub>
+                              <m:r>
+                                <a:rPr lang="en-US" i="1">
+                                  <a:solidFill>
+                                    <a:schemeClr val="accent4"/>
+                                  </a:solidFill>
+                                  <a:latin typeface="Cambria Math" charset="0"/>
+                                </a:rPr>
+                                <m:t>0</m:t>
+                              </m:r>
+                            </m:sub>
+                          </m:sSub>
+                          <m:r>
+                            <a:rPr lang="en-US" i="1">
+                              <a:solidFill>
+                                <a:schemeClr val="accent4"/>
+                              </a:solidFill>
+                              <a:latin typeface="Cambria Math" charset="0"/>
+                            </a:rPr>
+                            <m:t>𝑧</m:t>
+                          </m:r>
+                        </m:sup>
+                      </m:sSup>
+                      <m:sSub>
+                        <m:sSubPr>
+                          <m:ctrlPr>
+                            <a:rPr lang="en-US" i="1">
+                              <a:latin typeface="Cambria Math" charset="0"/>
+                            </a:rPr>
+                          </m:ctrlPr>
+                        </m:sSubPr>
+                        <m:e>
+                          <m:r>
+                            <a:rPr lang="en-US" i="1">
+                              <a:latin typeface="Cambria Math" charset="0"/>
+                            </a:rPr>
+                            <m:t>𝑎</m:t>
+                          </m:r>
+                        </m:e>
+                        <m:sub>
+                          <m:r>
+                            <a:rPr lang="en-US" i="1">
+                              <a:latin typeface="Cambria Math" charset="0"/>
+                            </a:rPr>
+                            <m:t>𝜇</m:t>
+                          </m:r>
+                        </m:sub>
+                      </m:sSub>
+                      <m:r>
+                        <a:rPr lang="en-US" i="1" strike="sngStrike">
+                          <a:latin typeface="Cambria Math" charset="0"/>
+                        </a:rPr>
+                        <m:t>𝑑𝑧</m:t>
+                      </m:r>
+                    </m:oMath>
+                  </m:oMathPara>
+                </a14:m>
+                <a:endParaRPr lang="en-US" strike="sngStrike" dirty="0" smtClean="0"/>
+              </a:p>
+              <a:p>
+                <a:pPr marL="0" indent="0">
+                  <a:buNone/>
+                </a:pPr>
+                <a:endParaRPr lang="en-US" strike="sngStrike" dirty="0" smtClean="0"/>
+              </a:p>
+              <a:p>
+                <a:pPr marL="0" indent="0">
+                  <a:buNone/>
+                </a:pPr>
+                <a14:m>
+                  <m:oMathPara xmlns:m="http://schemas.openxmlformats.org/officeDocument/2006/math">
+                    <m:oMathParaPr>
+                      <m:jc m:val="center"/>
+                    </m:oMathParaPr>
+                    <m:oMath xmlns:m="http://schemas.openxmlformats.org/officeDocument/2006/math">
+                      <m:r>
+                        <a:rPr lang="en-US" i="1">
+                          <a:latin typeface="Cambria Math" charset="0"/>
+                        </a:rPr>
+                        <m:t>𝑃</m:t>
+                      </m:r>
+                      <m:d>
+                        <m:dPr>
+                          <m:ctrlPr>
+                            <a:rPr lang="en-US" i="1">
+                              <a:latin typeface="Cambria Math" charset="0"/>
+                            </a:rPr>
+                          </m:ctrlPr>
+                        </m:dPr>
+                        <m:e>
+                          <m:r>
+                            <a:rPr lang="en-US" i="1">
+                              <a:latin typeface="Cambria Math" charset="0"/>
+                            </a:rPr>
+                            <m:t>𝑧</m:t>
+                          </m:r>
+                          <m:r>
+                            <a:rPr lang="en-US" i="1">
+                              <a:latin typeface="Cambria Math" charset="0"/>
+                            </a:rPr>
+                            <m:t>,</m:t>
+                          </m:r>
+                          <m:r>
+                            <a:rPr lang="en-US" i="1">
+                              <a:latin typeface="Cambria Math" charset="0"/>
+                            </a:rPr>
+                            <m:t>𝜇</m:t>
+                          </m:r>
+                        </m:e>
+                      </m:d>
+                      <m:r>
+                        <a:rPr lang="en-US" i="1">
+                          <a:latin typeface="Cambria Math" charset="0"/>
+                        </a:rPr>
+                        <m:t>=</m:t>
+                      </m:r>
+                      <m:sSup>
+                        <m:sSupPr>
+                          <m:ctrlPr>
+                            <a:rPr lang="en-US" i="1">
+                              <a:solidFill>
+                                <a:schemeClr val="accent4"/>
+                              </a:solidFill>
+                              <a:latin typeface="Cambria Math" charset="0"/>
+                            </a:rPr>
+                          </m:ctrlPr>
+                        </m:sSupPr>
+                        <m:e>
+                          <m:r>
+                            <a:rPr lang="en-US" i="1">
+                              <a:solidFill>
+                                <a:schemeClr val="accent4"/>
+                              </a:solidFill>
+                              <a:latin typeface="Cambria Math" charset="0"/>
+                            </a:rPr>
+                            <m:t>𝑒</m:t>
+                          </m:r>
+                        </m:e>
+                        <m:sup>
+                          <m:r>
+                            <a:rPr lang="en-US" i="1">
+                              <a:solidFill>
+                                <a:schemeClr val="accent4"/>
+                              </a:solidFill>
+                              <a:latin typeface="Cambria Math" charset="0"/>
+                            </a:rPr>
+                            <m:t>−</m:t>
+                          </m:r>
+                          <m:sSub>
+                            <m:sSubPr>
+                              <m:ctrlPr>
+                                <a:rPr lang="en-US" i="1">
+                                  <a:solidFill>
+                                    <a:schemeClr val="accent4"/>
+                                  </a:solidFill>
+                                  <a:latin typeface="Cambria Math" charset="0"/>
+                                </a:rPr>
+                              </m:ctrlPr>
+                            </m:sSubPr>
+                            <m:e>
+                              <m:r>
+                                <a:rPr lang="en-US" i="1">
+                                  <a:solidFill>
+                                    <a:schemeClr val="accent4"/>
+                                  </a:solidFill>
+                                  <a:latin typeface="Cambria Math" charset="0"/>
+                                </a:rPr>
+                                <m:t>𝑎</m:t>
+                              </m:r>
+                            </m:e>
+                            <m:sub>
+                              <m:r>
+                                <a:rPr lang="en-US" i="1">
+                                  <a:solidFill>
+                                    <a:schemeClr val="accent4"/>
+                                  </a:solidFill>
+                                  <a:latin typeface="Cambria Math" charset="0"/>
+                                </a:rPr>
+                                <m:t>0</m:t>
+                              </m:r>
+                            </m:sub>
+                          </m:sSub>
+                          <m:r>
+                            <a:rPr lang="en-US" i="1">
+                              <a:solidFill>
+                                <a:schemeClr val="accent4"/>
+                              </a:solidFill>
+                              <a:latin typeface="Cambria Math" charset="0"/>
+                            </a:rPr>
+                            <m:t>𝑧</m:t>
+                          </m:r>
+                        </m:sup>
+                      </m:sSup>
+                      <m:sSub>
+                        <m:sSubPr>
+                          <m:ctrlPr>
+                            <a:rPr lang="en-US" i="1">
+                              <a:latin typeface="Cambria Math" charset="0"/>
+                            </a:rPr>
+                          </m:ctrlPr>
+                        </m:sSubPr>
+                        <m:e>
+                          <m:r>
+                            <a:rPr lang="en-US" i="1">
+                              <a:latin typeface="Cambria Math" charset="0"/>
+                            </a:rPr>
+                            <m:t>𝑎</m:t>
+                          </m:r>
+                        </m:e>
+                        <m:sub>
+                          <m:r>
+                            <a:rPr lang="en-US" i="1">
+                              <a:latin typeface="Cambria Math" charset="0"/>
+                            </a:rPr>
+                            <m:t>𝜇</m:t>
+                          </m:r>
+                        </m:sub>
+                      </m:sSub>
+                    </m:oMath>
+                  </m:oMathPara>
+                </a14:m>
+                <a:endParaRPr lang="en-US" strike="sngStrike" dirty="0"/>
+              </a:p>
+              <a:p>
+                <a:pPr marL="0" indent="0">
+                  <a:buNone/>
+                </a:pPr>
+                <a:endParaRPr lang="en-US" strike="sngStrike" dirty="0"/>
+              </a:p>
+              <a:p>
+                <a:pPr marL="0" indent="0">
+                  <a:buNone/>
+                </a:pPr>
+                <a:endParaRPr lang="en-US" dirty="0" smtClean="0">
+                  <a:solidFill>
+                    <a:schemeClr val="tx1"/>
+                  </a:solidFill>
+                </a:endParaRPr>
+              </a:p>
+              <a:p>
+                <a:pPr marL="0" indent="0">
+                  <a:buNone/>
+                </a:pPr>
+                <a:endParaRPr lang="en-US" dirty="0" smtClean="0">
+                  <a:solidFill>
+                    <a:schemeClr val="tx1"/>
+                  </a:solidFill>
+                </a:endParaRPr>
               </a:p>
             </p:txBody>
           </p:sp>
@@ -5625,6 +7291,10 @@
               </p:nvPr>
             </p:nvSpPr>
             <p:spPr>
+              <a:xfrm>
+                <a:off x="612559" y="1825624"/>
+                <a:ext cx="11061577" cy="4956915"/>
+              </a:xfrm>
               <a:blipFill rotWithShape="0">
                 <a:blip r:embed="rId2"/>
                 <a:stretch>
@@ -5647,6 +7317,50 @@
           </p:sp>
         </mc:Fallback>
       </mc:AlternateContent>
+      <p:sp>
+        <p:nvSpPr>
+          <p:cNvPr id="7" name="Title 1"/>
+          <p:cNvSpPr>
+            <a:spLocks noGrp="1"/>
+          </p:cNvSpPr>
+          <p:nvPr>
+            <p:ph type="title"/>
+          </p:nvPr>
+        </p:nvSpPr>
+        <p:spPr>
+          <a:xfrm>
+            <a:off x="838200" y="365125"/>
+            <a:ext cx="10515600" cy="1325563"/>
+          </a:xfrm>
+        </p:spPr>
+        <p:txBody>
+          <a:bodyPr/>
+          <a:lstStyle/>
+          <a:p>
+            <a:r>
+              <a:rPr lang="en-US" dirty="0" smtClean="0">
+                <a:solidFill>
+                  <a:schemeClr val="accent2"/>
+                </a:solidFill>
+              </a:rPr>
+              <a:t>The Gillespie algorithm: </a:t>
+            </a:r>
+            <a:r>
+              <a:rPr lang="en-US" sz="2800" i="1" dirty="0" smtClean="0">
+                <a:solidFill>
+                  <a:schemeClr val="accent2"/>
+                </a:solidFill>
+              </a:rPr>
+              <a:t>which reaction will happen next?</a:t>
+            </a:r>
+            <a:endParaRPr lang="en-US" sz="2800" i="1" dirty="0">
+              <a:solidFill>
+                <a:schemeClr val="accent2"/>
+              </a:solidFill>
+            </a:endParaRPr>
+          </a:p>
+        </p:txBody>
+      </p:sp>
     </p:spTree>
     <p:extLst>
       <p:ext uri="{BB962C8B-B14F-4D97-AF65-F5344CB8AC3E}">
